--- a/slides/7_agents.pptx
+++ b/slides/7_agents.pptx
@@ -8648,19 +8648,11 @@
           <a:p>
             <a:r>
               <a:rPr lang="de-DE" dirty="0" err="1"/>
-              <a:t>AutoGPT</a:t>
+              <a:t>Agents</a:t>
             </a:r>
             <a:r>
               <a:rPr lang="de-DE" dirty="0"/>
-              <a:t>, </a:t>
-            </a:r>
-            <a:r>
-              <a:rPr lang="de-DE" dirty="0" err="1"/>
-              <a:t>BabyAGI</a:t>
-            </a:r>
-            <a:r>
-              <a:rPr lang="de-DE" dirty="0"/>
-              <a:t>, …</a:t>
+              <a:t> and LLM Orchestration</a:t>
             </a:r>
           </a:p>
         </p:txBody>
@@ -8684,9 +8676,52 @@
         <p:spPr/>
         <p:txBody>
           <a:bodyPr>
-            <a:normAutofit/>
+            <a:normAutofit fontScale="92500"/>
           </a:bodyPr>
           <a:lstStyle/>
+          <a:p>
+            <a:pPr marL="0" indent="0">
+              <a:buNone/>
+            </a:pPr>
+            <a:r>
+              <a:rPr lang="de-DE" dirty="0" err="1"/>
+              <a:t>LangChain</a:t>
+            </a:r>
+            <a:r>
+              <a:rPr lang="de-DE" dirty="0"/>
+              <a:t>, </a:t>
+            </a:r>
+            <a:r>
+              <a:rPr lang="de-DE" dirty="0" err="1"/>
+              <a:t>AutoGPT</a:t>
+            </a:r>
+            <a:r>
+              <a:rPr lang="de-DE" dirty="0"/>
+              <a:t>, </a:t>
+            </a:r>
+            <a:r>
+              <a:rPr lang="de-DE" dirty="0" err="1"/>
+              <a:t>OpenAgents</a:t>
+            </a:r>
+            <a:r>
+              <a:rPr lang="de-DE" dirty="0"/>
+              <a:t>, </a:t>
+            </a:r>
+            <a:r>
+              <a:rPr lang="de-DE" dirty="0" err="1"/>
+              <a:t>BabyAGI</a:t>
+            </a:r>
+            <a:r>
+              <a:rPr lang="de-DE" dirty="0"/>
+              <a:t>, …</a:t>
+            </a:r>
+          </a:p>
+          <a:p>
+            <a:pPr marL="0" indent="0">
+              <a:buNone/>
+            </a:pPr>
+            <a:endParaRPr lang="de-DE" b="1" dirty="0"/>
+          </a:p>
           <a:p>
             <a:pPr marL="0" indent="0">
               <a:buNone/>
